--- a/hackathon/hackathon_master.pptx
+++ b/hackathon/hackathon_master.pptx
@@ -15,6 +15,7 @@
     <p:sldId id="262" r:id="rId10"/>
     <p:sldId id="263" r:id="rId11"/>
     <p:sldId id="264" r:id="rId12"/>
+    <p:sldId id="265" r:id="rId13"/>
   </p:sldIdLst>
   <p:sldSz cx="10080625" cy="5670550"/>
   <p:notesSz cx="7559675" cy="10691812"/>
@@ -2769,8 +2770,8 @@
         </p:nvSpPr>
         <p:spPr>
           <a:xfrm>
-            <a:off x="503640" y="225720"/>
-            <a:ext cx="9071280" cy="946800"/>
+            <a:off x="504000" y="226080"/>
+            <a:ext cx="9072000" cy="946440"/>
           </a:xfrm>
           <a:prstGeom prst="rect">
             <a:avLst/>
@@ -2778,16 +2779,17 @@
         </p:spPr>
         <p:txBody>
           <a:bodyPr lIns="0" rIns="0" tIns="0" bIns="0" anchor="ctr">
-            <a:spAutoFit/>
-          </a:bodyPr>
-          <a:p>
+            <a:noAutofit/>
+          </a:bodyPr>
+          <a:p>
+            <a:pPr algn="ctr"/>
             <a:r>
-              <a:rPr b="0" lang="en-US" sz="1800" spc="-1" strike="noStrike">
+              <a:rPr b="0" lang="en-US" sz="4400" spc="-1" strike="noStrike">
                 <a:latin typeface="Arial"/>
               </a:rPr>
               <a:t>Click to edit the title text format</a:t>
             </a:r>
-            <a:endParaRPr b="0" lang="en-US" sz="1800" spc="-1" strike="noStrike">
+            <a:endParaRPr b="0" lang="en-US" sz="4400" spc="-1" strike="noStrike">
               <a:latin typeface="Arial"/>
             </a:endParaRPr>
           </a:p>
@@ -2805,8 +2807,8 @@
         </p:nvSpPr>
         <p:spPr>
           <a:xfrm>
-            <a:off x="503640" y="1326240"/>
-            <a:ext cx="9071280" cy="3287880"/>
+            <a:off x="504000" y="1326600"/>
+            <a:ext cx="9072000" cy="3288600"/>
           </a:xfrm>
           <a:prstGeom prst="rect">
             <a:avLst/>
@@ -2829,12 +2831,12 @@
               <a:buChar char=""/>
             </a:pPr>
             <a:r>
-              <a:rPr b="0" lang="en-US" sz="1800" spc="-1" strike="noStrike">
+              <a:rPr b="0" lang="en-US" sz="3200" spc="-1" strike="noStrike">
                 <a:latin typeface="Arial"/>
               </a:rPr>
               <a:t>Click to edit the outline text format</a:t>
             </a:r>
-            <a:endParaRPr b="0" lang="en-US" sz="1800" spc="-1" strike="noStrike">
+            <a:endParaRPr b="0" lang="en-US" sz="3200" spc="-1" strike="noStrike">
               <a:latin typeface="Arial"/>
             </a:endParaRPr>
           </a:p>
@@ -2851,12 +2853,12 @@
               <a:buChar char=""/>
             </a:pPr>
             <a:r>
-              <a:rPr b="0" lang="en-US" sz="1800" spc="-1" strike="noStrike">
+              <a:rPr b="0" lang="en-US" sz="2800" spc="-1" strike="noStrike">
                 <a:latin typeface="Arial"/>
               </a:rPr>
               <a:t>Second Outline Level</a:t>
             </a:r>
-            <a:endParaRPr b="0" lang="en-US" sz="1800" spc="-1" strike="noStrike">
+            <a:endParaRPr b="0" lang="en-US" sz="2800" spc="-1" strike="noStrike">
               <a:latin typeface="Arial"/>
             </a:endParaRPr>
           </a:p>
@@ -2873,12 +2875,12 @@
               <a:buChar char=""/>
             </a:pPr>
             <a:r>
-              <a:rPr b="0" lang="en-US" sz="1800" spc="-1" strike="noStrike">
+              <a:rPr b="0" lang="en-US" sz="2400" spc="-1" strike="noStrike">
                 <a:latin typeface="Arial"/>
               </a:rPr>
               <a:t>Third Outline Level</a:t>
             </a:r>
-            <a:endParaRPr b="0" lang="en-US" sz="1800" spc="-1" strike="noStrike">
+            <a:endParaRPr b="0" lang="en-US" sz="2400" spc="-1" strike="noStrike">
               <a:latin typeface="Arial"/>
             </a:endParaRPr>
           </a:p>
@@ -2895,12 +2897,12 @@
               <a:buChar char=""/>
             </a:pPr>
             <a:r>
-              <a:rPr b="0" lang="en-US" sz="1800" spc="-1" strike="noStrike">
+              <a:rPr b="0" lang="en-US" sz="2000" spc="-1" strike="noStrike">
                 <a:latin typeface="Arial"/>
               </a:rPr>
               <a:t>Fourth Outline Level</a:t>
             </a:r>
-            <a:endParaRPr b="0" lang="en-US" sz="1800" spc="-1" strike="noStrike">
+            <a:endParaRPr b="0" lang="en-US" sz="2000" spc="-1" strike="noStrike">
               <a:latin typeface="Arial"/>
             </a:endParaRPr>
           </a:p>
@@ -2917,12 +2919,12 @@
               <a:buChar char=""/>
             </a:pPr>
             <a:r>
-              <a:rPr b="0" lang="en-US" sz="1800" spc="-1" strike="noStrike">
+              <a:rPr b="0" lang="en-US" sz="2000" spc="-1" strike="noStrike">
                 <a:latin typeface="Arial"/>
               </a:rPr>
               <a:t>Fifth Outline Level</a:t>
             </a:r>
-            <a:endParaRPr b="0" lang="en-US" sz="1800" spc="-1" strike="noStrike">
+            <a:endParaRPr b="0" lang="en-US" sz="2000" spc="-1" strike="noStrike">
               <a:latin typeface="Arial"/>
             </a:endParaRPr>
           </a:p>
@@ -2939,12 +2941,12 @@
               <a:buChar char=""/>
             </a:pPr>
             <a:r>
-              <a:rPr b="0" lang="en-US" sz="1800" spc="-1" strike="noStrike">
+              <a:rPr b="0" lang="en-US" sz="2000" spc="-1" strike="noStrike">
                 <a:latin typeface="Arial"/>
               </a:rPr>
               <a:t>Sixth Outline Level</a:t>
             </a:r>
-            <a:endParaRPr b="0" lang="en-US" sz="1800" spc="-1" strike="noStrike">
+            <a:endParaRPr b="0" lang="en-US" sz="2000" spc="-1" strike="noStrike">
               <a:latin typeface="Arial"/>
             </a:endParaRPr>
           </a:p>
@@ -2961,12 +2963,12 @@
               <a:buChar char=""/>
             </a:pPr>
             <a:r>
-              <a:rPr b="0" lang="en-US" sz="1800" spc="-1" strike="noStrike">
+              <a:rPr b="0" lang="en-US" sz="2000" spc="-1" strike="noStrike">
                 <a:latin typeface="Arial"/>
               </a:rPr>
               <a:t>Seventh Outline Level</a:t>
             </a:r>
-            <a:endParaRPr b="0" lang="en-US" sz="1800" spc="-1" strike="noStrike">
+            <a:endParaRPr b="0" lang="en-US" sz="2000" spc="-1" strike="noStrike">
               <a:latin typeface="Arial"/>
             </a:endParaRPr>
           </a:p>
@@ -3029,7 +3031,7 @@
         <p:spPr>
           <a:xfrm>
             <a:off x="7633800" y="65880"/>
-            <a:ext cx="2370960" cy="472680"/>
+            <a:ext cx="2370600" cy="472320"/>
           </a:xfrm>
           <a:prstGeom prst="rect">
             <a:avLst/>
@@ -3335,7 +3337,7 @@
         <p:spPr>
           <a:xfrm>
             <a:off x="1259640" y="443160"/>
-            <a:ext cx="7558920" cy="1972800"/>
+            <a:ext cx="7558560" cy="1972440"/>
           </a:xfrm>
           <a:prstGeom prst="rect">
             <a:avLst/>
@@ -3386,7 +3388,7 @@
         <p:spPr>
           <a:xfrm>
             <a:off x="1259640" y="2712600"/>
-            <a:ext cx="7558920" cy="949320"/>
+            <a:ext cx="7558560" cy="948960"/>
           </a:xfrm>
           <a:prstGeom prst="rect">
             <a:avLst/>
@@ -3480,7 +3482,7 @@
         <p:spPr>
           <a:xfrm>
             <a:off x="157680" y="227160"/>
-            <a:ext cx="4416840" cy="880920"/>
+            <a:ext cx="4416480" cy="880560"/>
           </a:xfrm>
           <a:prstGeom prst="rect">
             <a:avLst/>
@@ -3499,7 +3501,7 @@
         <p:spPr>
           <a:xfrm>
             <a:off x="1259640" y="3771720"/>
-            <a:ext cx="7558920" cy="1243440"/>
+            <a:ext cx="7558560" cy="1243080"/>
           </a:xfrm>
           <a:prstGeom prst="rect">
             <a:avLst/>
@@ -3599,7 +3601,7 @@
         <p:spPr>
           <a:xfrm>
             <a:off x="1259640" y="5124960"/>
-            <a:ext cx="7558920" cy="429840"/>
+            <a:ext cx="7558560" cy="429480"/>
           </a:xfrm>
           <a:prstGeom prst="rect">
             <a:avLst/>
@@ -3639,6 +3641,213 @@
               <a:t>[Link to repository]</a:t>
             </a:r>
             <a:endParaRPr b="0" lang="en-US" sz="2400" spc="-1" strike="noStrike">
+              <a:latin typeface="Arial"/>
+            </a:endParaRPr>
+          </a:p>
+        </p:txBody>
+      </p:sp>
+    </p:spTree>
+  </p:cSld>
+  <mc:AlternateContent>
+    <mc:Choice Requires="p14">
+      <p:transition spd="slow" p14:dur="2000"/>
+    </mc:Choice>
+    <mc:Fallback>
+      <p:transition spd="slow"/>
+    </mc:Fallback>
+  </mc:AlternateContent>
+</p:sld>
+</file>
+
+<file path=ppt/slides/slide10.xml><?xml version="1.0" encoding="utf-8"?>
+<p:sld xmlns:a="http://schemas.openxmlformats.org/drawingml/2006/main" xmlns:p="http://schemas.openxmlformats.org/presentationml/2006/main" xmlns:r="http://schemas.openxmlformats.org/officeDocument/2006/relationships" xmlns:p14="http://schemas.microsoft.com/office/powerpoint/2010/main" xmlns:p15="http://schemas.microsoft.com/office/powerpoint/2012/main" xmlns:mc="http://schemas.openxmlformats.org/markup-compatibility/2006">
+  <p:cSld>
+    <p:spTree>
+      <p:nvGrpSpPr>
+        <p:cNvPr id="1" name=""/>
+        <p:cNvGrpSpPr/>
+        <p:nvPr/>
+      </p:nvGrpSpPr>
+      <p:grpSpPr>
+        <a:xfrm>
+          <a:off x="0" y="0"/>
+          <a:ext cx="0" cy="0"/>
+          <a:chOff x="0" y="0"/>
+          <a:chExt cx="0" cy="0"/>
+        </a:xfrm>
+      </p:grpSpPr>
+      <p:sp>
+        <p:nvSpPr>
+          <p:cNvPr id="104" name="CustomShape 1"/>
+          <p:cNvSpPr/>
+          <p:nvPr/>
+        </p:nvSpPr>
+        <p:spPr>
+          <a:xfrm>
+            <a:off x="692640" y="301680"/>
+            <a:ext cx="8692560" cy="1094760"/>
+          </a:xfrm>
+          <a:prstGeom prst="rect">
+            <a:avLst/>
+          </a:prstGeom>
+          <a:noFill/>
+          <a:ln>
+            <a:noFill/>
+          </a:ln>
+        </p:spPr>
+        <p:style>
+          <a:lnRef idx="0"/>
+          <a:fillRef idx="0"/>
+          <a:effectRef idx="0"/>
+          <a:fontRef idx="minor"/>
+        </p:style>
+        <p:txBody>
+          <a:bodyPr lIns="90000" rIns="90000" tIns="45000" bIns="45000" anchor="ctr">
+            <a:noAutofit/>
+          </a:bodyPr>
+          <a:p>
+            <a:pPr>
+              <a:lnSpc>
+                <a:spcPct val="90000"/>
+              </a:lnSpc>
+            </a:pPr>
+            <a:r>
+              <a:rPr b="0" lang="en-US" sz="4400" spc="-1" strike="noStrike">
+                <a:solidFill>
+                  <a:srgbClr val="000000"/>
+                </a:solidFill>
+                <a:latin typeface="Cambria"/>
+                <a:ea typeface="Cambria"/>
+              </a:rPr>
+              <a:t>Concluding Remarks</a:t>
+            </a:r>
+            <a:endParaRPr b="0" lang="en-US" sz="4400" spc="-1" strike="noStrike">
+              <a:latin typeface="Arial"/>
+            </a:endParaRPr>
+          </a:p>
+        </p:txBody>
+      </p:sp>
+      <p:sp>
+        <p:nvSpPr>
+          <p:cNvPr id="105" name="CustomShape 2"/>
+          <p:cNvSpPr/>
+          <p:nvPr/>
+        </p:nvSpPr>
+        <p:spPr>
+          <a:xfrm>
+            <a:off x="692640" y="1509120"/>
+            <a:ext cx="8692560" cy="3596040"/>
+          </a:xfrm>
+          <a:prstGeom prst="rect">
+            <a:avLst/>
+          </a:prstGeom>
+          <a:noFill/>
+          <a:ln>
+            <a:noFill/>
+          </a:ln>
+        </p:spPr>
+        <p:style>
+          <a:lnRef idx="0"/>
+          <a:fillRef idx="0"/>
+          <a:effectRef idx="0"/>
+          <a:fontRef idx="minor"/>
+        </p:style>
+        <p:txBody>
+          <a:bodyPr lIns="90000" rIns="90000" tIns="45000" bIns="45000">
+            <a:noAutofit/>
+          </a:bodyPr>
+          <a:p>
+            <a:pPr marL="228600" indent="-227160">
+              <a:lnSpc>
+                <a:spcPct val="90000"/>
+              </a:lnSpc>
+              <a:spcBef>
+                <a:spcPts val="1001"/>
+              </a:spcBef>
+              <a:buClr>
+                <a:srgbClr val="000000"/>
+              </a:buClr>
+              <a:buFont typeface="Arial"/>
+              <a:buChar char="•"/>
+            </a:pPr>
+            <a:r>
+              <a:rPr b="0" lang="en-US" sz="2800" spc="-1" strike="noStrike">
+                <a:solidFill>
+                  <a:srgbClr val="000000"/>
+                </a:solidFill>
+                <a:latin typeface="Candara"/>
+                <a:ea typeface="DejaVu Sans"/>
+              </a:rPr>
+              <a:t>Is the project usable? </a:t>
+            </a:r>
+            <a:endParaRPr b="0" lang="en-US" sz="2800" spc="-1" strike="noStrike">
+              <a:latin typeface="Arial"/>
+            </a:endParaRPr>
+          </a:p>
+          <a:p>
+            <a:pPr>
+              <a:lnSpc>
+                <a:spcPct val="90000"/>
+              </a:lnSpc>
+              <a:spcBef>
+                <a:spcPts val="1001"/>
+              </a:spcBef>
+            </a:pPr>
+            <a:endParaRPr b="0" lang="en-US" sz="2800" spc="-1" strike="noStrike">
+              <a:latin typeface="Arial"/>
+            </a:endParaRPr>
+          </a:p>
+          <a:p>
+            <a:pPr marL="228600" indent="-227160">
+              <a:lnSpc>
+                <a:spcPct val="90000"/>
+              </a:lnSpc>
+              <a:spcBef>
+                <a:spcPts val="1001"/>
+              </a:spcBef>
+              <a:buClr>
+                <a:srgbClr val="000000"/>
+              </a:buClr>
+              <a:buFont typeface="Arial"/>
+              <a:buChar char="•"/>
+            </a:pPr>
+            <a:r>
+              <a:rPr b="0" lang="en-US" sz="2800" spc="-1" strike="noStrike">
+                <a:solidFill>
+                  <a:srgbClr val="000000"/>
+                </a:solidFill>
+                <a:latin typeface="Candara"/>
+                <a:ea typeface="DejaVu Sans"/>
+              </a:rPr>
+              <a:t>What’s left to do?</a:t>
+            </a:r>
+            <a:endParaRPr b="0" lang="en-US" sz="2800" spc="-1" strike="noStrike">
+              <a:latin typeface="Arial"/>
+            </a:endParaRPr>
+          </a:p>
+          <a:p>
+            <a:pPr>
+              <a:lnSpc>
+                <a:spcPct val="90000"/>
+              </a:lnSpc>
+              <a:spcBef>
+                <a:spcPts val="1001"/>
+              </a:spcBef>
+            </a:pPr>
+            <a:endParaRPr b="0" lang="en-US" sz="2800" spc="-1" strike="noStrike">
+              <a:latin typeface="Arial"/>
+            </a:endParaRPr>
+          </a:p>
+          <a:p>
+            <a:pPr>
+              <a:lnSpc>
+                <a:spcPct val="90000"/>
+              </a:lnSpc>
+              <a:spcBef>
+                <a:spcPts val="1001"/>
+              </a:spcBef>
+            </a:pPr>
+            <a:endParaRPr b="0" lang="en-US" sz="2800" spc="-1" strike="noStrike">
               <a:latin typeface="Arial"/>
             </a:endParaRPr>
           </a:p>
@@ -3683,7 +3892,7 @@
         <p:spPr>
           <a:xfrm>
             <a:off x="505800" y="1049760"/>
-            <a:ext cx="8692920" cy="1095120"/>
+            <a:ext cx="8692560" cy="1094760"/>
           </a:xfrm>
           <a:prstGeom prst="rect">
             <a:avLst/>
@@ -3734,7 +3943,7 @@
         <p:spPr>
           <a:xfrm>
             <a:off x="692640" y="2286360"/>
-            <a:ext cx="8692920" cy="3596400"/>
+            <a:ext cx="8692560" cy="3596040"/>
           </a:xfrm>
           <a:prstGeom prst="rect">
             <a:avLst/>
@@ -3818,7 +4027,7 @@
         <p:spPr>
           <a:xfrm>
             <a:off x="505800" y="1049760"/>
-            <a:ext cx="8692920" cy="1095120"/>
+            <a:ext cx="8692560" cy="1094760"/>
           </a:xfrm>
           <a:prstGeom prst="rect">
             <a:avLst/>
@@ -3869,7 +4078,7 @@
         <p:spPr>
           <a:xfrm>
             <a:off x="505800" y="2145960"/>
-            <a:ext cx="8692920" cy="3596400"/>
+            <a:ext cx="8692560" cy="3596040"/>
           </a:xfrm>
           <a:prstGeom prst="rect">
             <a:avLst/>
@@ -3953,7 +4162,7 @@
         <p:spPr>
           <a:xfrm>
             <a:off x="692640" y="301680"/>
-            <a:ext cx="8692920" cy="1095120"/>
+            <a:ext cx="8692560" cy="1094760"/>
           </a:xfrm>
           <a:prstGeom prst="rect">
             <a:avLst/>
@@ -4004,7 +4213,7 @@
         <p:spPr>
           <a:xfrm>
             <a:off x="692640" y="1509120"/>
-            <a:ext cx="8692920" cy="3596400"/>
+            <a:ext cx="8692560" cy="3596040"/>
           </a:xfrm>
           <a:prstGeom prst="rect">
             <a:avLst/>
@@ -4198,7 +4407,334 @@
         <p:spPr>
           <a:xfrm>
             <a:off x="692640" y="301680"/>
-            <a:ext cx="8692920" cy="1095120"/>
+            <a:ext cx="8692560" cy="1094760"/>
+          </a:xfrm>
+          <a:prstGeom prst="rect">
+            <a:avLst/>
+          </a:prstGeom>
+          <a:noFill/>
+          <a:ln>
+            <a:noFill/>
+          </a:ln>
+        </p:spPr>
+        <p:style>
+          <a:lnRef idx="0"/>
+          <a:fillRef idx="0"/>
+          <a:effectRef idx="0"/>
+          <a:fontRef idx="minor"/>
+        </p:style>
+        <p:txBody>
+          <a:bodyPr lIns="90000" rIns="90000" tIns="45000" bIns="45000" anchor="ctr">
+            <a:noAutofit/>
+          </a:bodyPr>
+          <a:p>
+            <a:pPr>
+              <a:lnSpc>
+                <a:spcPct val="90000"/>
+              </a:lnSpc>
+            </a:pPr>
+            <a:r>
+              <a:rPr b="0" lang="en-US" sz="4400" spc="-1" strike="noStrike">
+                <a:solidFill>
+                  <a:srgbClr val="000000"/>
+                </a:solidFill>
+                <a:latin typeface="Cambria"/>
+                <a:ea typeface="Cambria"/>
+              </a:rPr>
+              <a:t>Major Components - Flowchart</a:t>
+            </a:r>
+            <a:endParaRPr b="0" lang="en-US" sz="4400" spc="-1" strike="noStrike">
+              <a:latin typeface="Arial"/>
+            </a:endParaRPr>
+          </a:p>
+        </p:txBody>
+      </p:sp>
+      <p:sp>
+        <p:nvSpPr>
+          <p:cNvPr id="90" name="CustomShape 2"/>
+          <p:cNvSpPr/>
+          <p:nvPr/>
+        </p:nvSpPr>
+        <p:spPr>
+          <a:xfrm>
+            <a:off x="692640" y="1509120"/>
+            <a:ext cx="8692560" cy="3596040"/>
+          </a:xfrm>
+          <a:prstGeom prst="rect">
+            <a:avLst/>
+          </a:prstGeom>
+          <a:noFill/>
+          <a:ln>
+            <a:noFill/>
+          </a:ln>
+        </p:spPr>
+        <p:style>
+          <a:lnRef idx="0"/>
+          <a:fillRef idx="0"/>
+          <a:effectRef idx="0"/>
+          <a:fontRef idx="minor"/>
+        </p:style>
+        <p:txBody>
+          <a:bodyPr lIns="90000" rIns="90000" tIns="45000" bIns="45000">
+            <a:noAutofit/>
+          </a:bodyPr>
+          <a:p>
+            <a:pPr>
+              <a:lnSpc>
+                <a:spcPct val="90000"/>
+              </a:lnSpc>
+              <a:spcBef>
+                <a:spcPts val="1001"/>
+              </a:spcBef>
+            </a:pPr>
+            <a:endParaRPr b="0" lang="en-US" sz="1800" spc="-1" strike="noStrike">
+              <a:latin typeface="Arial"/>
+            </a:endParaRPr>
+          </a:p>
+          <a:p>
+            <a:pPr>
+              <a:lnSpc>
+                <a:spcPct val="90000"/>
+              </a:lnSpc>
+              <a:spcBef>
+                <a:spcPts val="1001"/>
+              </a:spcBef>
+            </a:pPr>
+            <a:endParaRPr b="0" lang="en-US" sz="1800" spc="-1" strike="noStrike">
+              <a:latin typeface="Arial"/>
+            </a:endParaRPr>
+          </a:p>
+          <a:p>
+            <a:pPr>
+              <a:lnSpc>
+                <a:spcPct val="90000"/>
+              </a:lnSpc>
+              <a:spcBef>
+                <a:spcPts val="1001"/>
+              </a:spcBef>
+            </a:pPr>
+            <a:endParaRPr b="0" lang="en-US" sz="1800" spc="-1" strike="noStrike">
+              <a:latin typeface="Arial"/>
+            </a:endParaRPr>
+          </a:p>
+          <a:p>
+            <a:pPr>
+              <a:lnSpc>
+                <a:spcPct val="90000"/>
+              </a:lnSpc>
+              <a:spcBef>
+                <a:spcPts val="1001"/>
+              </a:spcBef>
+            </a:pPr>
+            <a:endParaRPr b="0" lang="en-US" sz="1800" spc="-1" strike="noStrike">
+              <a:latin typeface="Arial"/>
+            </a:endParaRPr>
+          </a:p>
+          <a:p>
+            <a:pPr>
+              <a:lnSpc>
+                <a:spcPct val="90000"/>
+              </a:lnSpc>
+              <a:spcBef>
+                <a:spcPts val="1001"/>
+              </a:spcBef>
+            </a:pPr>
+            <a:endParaRPr b="0" lang="en-US" sz="1800" spc="-1" strike="noStrike">
+              <a:latin typeface="Arial"/>
+            </a:endParaRPr>
+          </a:p>
+        </p:txBody>
+      </p:sp>
+      <p:sp>
+        <p:nvSpPr>
+          <p:cNvPr id="91" name="CustomShape 3"/>
+          <p:cNvSpPr/>
+          <p:nvPr/>
+        </p:nvSpPr>
+        <p:spPr>
+          <a:xfrm>
+            <a:off x="1371600" y="2468880"/>
+            <a:ext cx="1737360" cy="1188720"/>
+          </a:xfrm>
+          <a:prstGeom prst="rect">
+            <a:avLst/>
+          </a:prstGeom>
+          <a:solidFill>
+            <a:srgbClr val="729fcf"/>
+          </a:solidFill>
+          <a:ln>
+            <a:solidFill>
+              <a:srgbClr val="3465a4"/>
+            </a:solidFill>
+          </a:ln>
+        </p:spPr>
+        <p:style>
+          <a:lnRef idx="0"/>
+          <a:fillRef idx="0"/>
+          <a:effectRef idx="0"/>
+          <a:fontRef idx="minor"/>
+        </p:style>
+        <p:txBody>
+          <a:bodyPr wrap="none" lIns="90000" rIns="90000" tIns="45000" bIns="45000" anchor="ctr">
+            <a:noAutofit/>
+          </a:bodyPr>
+          <a:p>
+            <a:pPr algn="ctr"/>
+            <a:r>
+              <a:rPr b="0" lang="en-US" sz="1800" spc="-1" strike="noStrike">
+                <a:latin typeface="Arial"/>
+              </a:rPr>
+              <a:t>Component 1</a:t>
+            </a:r>
+            <a:endParaRPr b="0" lang="en-US" sz="1800" spc="-1" strike="noStrike">
+              <a:latin typeface="Arial"/>
+            </a:endParaRPr>
+          </a:p>
+        </p:txBody>
+      </p:sp>
+      <p:sp>
+        <p:nvSpPr>
+          <p:cNvPr id="92" name="Line 4"/>
+          <p:cNvSpPr/>
+          <p:nvPr/>
+        </p:nvSpPr>
+        <p:spPr>
+          <a:xfrm>
+            <a:off x="3110400" y="3059640"/>
+            <a:ext cx="2010240" cy="0"/>
+          </a:xfrm>
+          <a:prstGeom prst="line">
+            <a:avLst/>
+          </a:prstGeom>
+          <a:ln>
+            <a:solidFill>
+              <a:srgbClr val="3465a4"/>
+            </a:solidFill>
+            <a:tailEnd len="med" type="triangle" w="med"/>
+          </a:ln>
+        </p:spPr>
+        <p:style>
+          <a:lnRef idx="0"/>
+          <a:fillRef idx="0"/>
+          <a:effectRef idx="0"/>
+          <a:fontRef idx="minor"/>
+        </p:style>
+      </p:sp>
+      <p:sp>
+        <p:nvSpPr>
+          <p:cNvPr id="93" name="CustomShape 5"/>
+          <p:cNvSpPr/>
+          <p:nvPr/>
+        </p:nvSpPr>
+        <p:spPr>
+          <a:xfrm>
+            <a:off x="5120640" y="2468880"/>
+            <a:ext cx="1737360" cy="1188720"/>
+          </a:xfrm>
+          <a:prstGeom prst="rect">
+            <a:avLst/>
+          </a:prstGeom>
+          <a:solidFill>
+            <a:srgbClr val="729fcf"/>
+          </a:solidFill>
+          <a:ln>
+            <a:solidFill>
+              <a:srgbClr val="3465a4"/>
+            </a:solidFill>
+          </a:ln>
+        </p:spPr>
+        <p:style>
+          <a:lnRef idx="0"/>
+          <a:fillRef idx="0"/>
+          <a:effectRef idx="0"/>
+          <a:fontRef idx="minor"/>
+        </p:style>
+        <p:txBody>
+          <a:bodyPr wrap="none" lIns="90000" rIns="90000" tIns="45000" bIns="45000" anchor="ctr">
+            <a:noAutofit/>
+          </a:bodyPr>
+          <a:p>
+            <a:pPr algn="ctr"/>
+            <a:r>
+              <a:rPr b="0" lang="en-US" sz="1800" spc="-1" strike="noStrike">
+                <a:latin typeface="Arial"/>
+              </a:rPr>
+              <a:t>Component 2</a:t>
+            </a:r>
+            <a:endParaRPr b="0" lang="en-US" sz="1800" spc="-1" strike="noStrike">
+              <a:latin typeface="Arial"/>
+            </a:endParaRPr>
+          </a:p>
+        </p:txBody>
+      </p:sp>
+      <p:sp>
+        <p:nvSpPr>
+          <p:cNvPr id="94" name="Line 6"/>
+          <p:cNvSpPr/>
+          <p:nvPr/>
+        </p:nvSpPr>
+        <p:spPr>
+          <a:xfrm>
+            <a:off x="6858000" y="3017520"/>
+            <a:ext cx="1463040" cy="0"/>
+          </a:xfrm>
+          <a:prstGeom prst="line">
+            <a:avLst/>
+          </a:prstGeom>
+          <a:ln>
+            <a:solidFill>
+              <a:srgbClr val="3465a4"/>
+            </a:solidFill>
+            <a:tailEnd len="med" type="triangle" w="med"/>
+          </a:ln>
+        </p:spPr>
+        <p:style>
+          <a:lnRef idx="0"/>
+          <a:fillRef idx="0"/>
+          <a:effectRef idx="0"/>
+          <a:fontRef idx="minor"/>
+        </p:style>
+      </p:sp>
+    </p:spTree>
+  </p:cSld>
+  <mc:AlternateContent>
+    <mc:Choice Requires="p14">
+      <p:transition spd="slow" p14:dur="2000"/>
+    </mc:Choice>
+    <mc:Fallback>
+      <p:transition spd="slow"/>
+    </mc:Fallback>
+  </mc:AlternateContent>
+</p:sld>
+</file>
+
+<file path=ppt/slides/slide6.xml><?xml version="1.0" encoding="utf-8"?>
+<p:sld xmlns:a="http://schemas.openxmlformats.org/drawingml/2006/main" xmlns:p="http://schemas.openxmlformats.org/presentationml/2006/main" xmlns:r="http://schemas.openxmlformats.org/officeDocument/2006/relationships" xmlns:p14="http://schemas.microsoft.com/office/powerpoint/2010/main" xmlns:p15="http://schemas.microsoft.com/office/powerpoint/2012/main" xmlns:mc="http://schemas.openxmlformats.org/markup-compatibility/2006">
+  <p:cSld>
+    <p:spTree>
+      <p:nvGrpSpPr>
+        <p:cNvPr id="1" name=""/>
+        <p:cNvGrpSpPr/>
+        <p:nvPr/>
+      </p:nvGrpSpPr>
+      <p:grpSpPr>
+        <a:xfrm>
+          <a:off x="0" y="0"/>
+          <a:ext cx="0" cy="0"/>
+          <a:chOff x="0" y="0"/>
+          <a:chExt cx="0" cy="0"/>
+        </a:xfrm>
+      </p:grpSpPr>
+      <p:sp>
+        <p:nvSpPr>
+          <p:cNvPr id="95" name="CustomShape 1"/>
+          <p:cNvSpPr/>
+          <p:nvPr/>
+        </p:nvSpPr>
+        <p:spPr>
+          <a:xfrm>
+            <a:off x="692640" y="301680"/>
+            <a:ext cx="8692560" cy="1094760"/>
           </a:xfrm>
           <a:prstGeom prst="rect">
             <a:avLst/>
@@ -4242,14 +4778,14 @@
       </p:sp>
       <p:sp>
         <p:nvSpPr>
-          <p:cNvPr id="90" name="CustomShape 2"/>
+          <p:cNvPr id="96" name="CustomShape 2"/>
           <p:cNvSpPr/>
           <p:nvPr/>
         </p:nvSpPr>
         <p:spPr>
           <a:xfrm>
             <a:off x="692640" y="1509120"/>
-            <a:ext cx="8692920" cy="3596400"/>
+            <a:ext cx="8692560" cy="3596040"/>
           </a:xfrm>
           <a:prstGeom prst="rect">
             <a:avLst/>
@@ -4374,14 +4910,14 @@
       </p:sp>
       <p:sp>
         <p:nvSpPr>
-          <p:cNvPr id="91" name="CustomShape 3"/>
+          <p:cNvPr id="97" name="CustomShape 3"/>
           <p:cNvSpPr/>
           <p:nvPr/>
         </p:nvSpPr>
         <p:spPr>
           <a:xfrm>
             <a:off x="692640" y="2431440"/>
-            <a:ext cx="8692920" cy="1461240"/>
+            <a:ext cx="8692560" cy="1461240"/>
           </a:xfrm>
           <a:prstGeom prst="rect">
             <a:avLst/>
@@ -4556,177 +5092,6 @@
 </p:sld>
 </file>
 
-<file path=ppt/slides/slide6.xml><?xml version="1.0" encoding="utf-8"?>
-<p:sld xmlns:a="http://schemas.openxmlformats.org/drawingml/2006/main" xmlns:p="http://schemas.openxmlformats.org/presentationml/2006/main" xmlns:r="http://schemas.openxmlformats.org/officeDocument/2006/relationships" xmlns:p14="http://schemas.microsoft.com/office/powerpoint/2010/main" xmlns:p15="http://schemas.microsoft.com/office/powerpoint/2012/main" xmlns:mc="http://schemas.openxmlformats.org/markup-compatibility/2006">
-  <p:cSld>
-    <p:spTree>
-      <p:nvGrpSpPr>
-        <p:cNvPr id="1" name=""/>
-        <p:cNvGrpSpPr/>
-        <p:nvPr/>
-      </p:nvGrpSpPr>
-      <p:grpSpPr>
-        <a:xfrm>
-          <a:off x="0" y="0"/>
-          <a:ext cx="0" cy="0"/>
-          <a:chOff x="0" y="0"/>
-          <a:chExt cx="0" cy="0"/>
-        </a:xfrm>
-      </p:grpSpPr>
-      <p:sp>
-        <p:nvSpPr>
-          <p:cNvPr id="92" name="CustomShape 1"/>
-          <p:cNvSpPr/>
-          <p:nvPr/>
-        </p:nvSpPr>
-        <p:spPr>
-          <a:xfrm>
-            <a:off x="692640" y="301680"/>
-            <a:ext cx="8692920" cy="1095120"/>
-          </a:xfrm>
-          <a:prstGeom prst="rect">
-            <a:avLst/>
-          </a:prstGeom>
-          <a:noFill/>
-          <a:ln>
-            <a:noFill/>
-          </a:ln>
-        </p:spPr>
-        <p:style>
-          <a:lnRef idx="0"/>
-          <a:fillRef idx="0"/>
-          <a:effectRef idx="0"/>
-          <a:fontRef idx="minor"/>
-        </p:style>
-        <p:txBody>
-          <a:bodyPr lIns="90000" rIns="90000" tIns="45000" bIns="45000" anchor="ctr">
-            <a:noAutofit/>
-          </a:bodyPr>
-          <a:p>
-            <a:pPr>
-              <a:lnSpc>
-                <a:spcPct val="90000"/>
-              </a:lnSpc>
-            </a:pPr>
-            <a:r>
-              <a:rPr b="0" lang="en-US" sz="4400" spc="-1" strike="noStrike">
-                <a:solidFill>
-                  <a:srgbClr val="000000"/>
-                </a:solidFill>
-                <a:latin typeface="Cambria"/>
-                <a:ea typeface="Cambria"/>
-              </a:rPr>
-              <a:t>GUI Key Features</a:t>
-            </a:r>
-            <a:endParaRPr b="0" lang="en-US" sz="4400" spc="-1" strike="noStrike">
-              <a:latin typeface="Arial"/>
-            </a:endParaRPr>
-          </a:p>
-        </p:txBody>
-      </p:sp>
-      <p:sp>
-        <p:nvSpPr>
-          <p:cNvPr id="93" name="CustomShape 2"/>
-          <p:cNvSpPr/>
-          <p:nvPr/>
-        </p:nvSpPr>
-        <p:spPr>
-          <a:xfrm>
-            <a:off x="692640" y="1509120"/>
-            <a:ext cx="8692920" cy="3596400"/>
-          </a:xfrm>
-          <a:prstGeom prst="rect">
-            <a:avLst/>
-          </a:prstGeom>
-          <a:noFill/>
-          <a:ln>
-            <a:noFill/>
-          </a:ln>
-        </p:spPr>
-        <p:style>
-          <a:lnRef idx="0"/>
-          <a:fillRef idx="0"/>
-          <a:effectRef idx="0"/>
-          <a:fontRef idx="minor"/>
-        </p:style>
-        <p:txBody>
-          <a:bodyPr lIns="90000" rIns="90000" tIns="45000" bIns="45000">
-            <a:noAutofit/>
-          </a:bodyPr>
-          <a:p>
-            <a:pPr>
-              <a:lnSpc>
-                <a:spcPct val="90000"/>
-              </a:lnSpc>
-              <a:spcBef>
-                <a:spcPts val="1001"/>
-              </a:spcBef>
-            </a:pPr>
-            <a:r>
-              <a:rPr b="0" lang="en-US" sz="2800" spc="-1" strike="noStrike">
-                <a:solidFill>
-                  <a:srgbClr val="000000"/>
-                </a:solidFill>
-                <a:latin typeface="Candara"/>
-                <a:ea typeface="DejaVu Sans"/>
-              </a:rPr>
-              <a:t>*** IMAGE OF GUI ***</a:t>
-            </a:r>
-            <a:endParaRPr b="0" lang="en-US" sz="2800" spc="-1" strike="noStrike">
-              <a:latin typeface="Arial"/>
-            </a:endParaRPr>
-          </a:p>
-          <a:p>
-            <a:pPr>
-              <a:lnSpc>
-                <a:spcPct val="90000"/>
-              </a:lnSpc>
-              <a:spcBef>
-                <a:spcPts val="1001"/>
-              </a:spcBef>
-            </a:pPr>
-            <a:endParaRPr b="0" lang="en-US" sz="2800" spc="-1" strike="noStrike">
-              <a:latin typeface="Arial"/>
-            </a:endParaRPr>
-          </a:p>
-          <a:p>
-            <a:pPr>
-              <a:lnSpc>
-                <a:spcPct val="90000"/>
-              </a:lnSpc>
-              <a:spcBef>
-                <a:spcPts val="1001"/>
-              </a:spcBef>
-            </a:pPr>
-            <a:r>
-              <a:rPr b="0" lang="en-US" sz="2800" spc="-1" strike="noStrike">
-                <a:solidFill>
-                  <a:srgbClr val="000000"/>
-                </a:solidFill>
-                <a:latin typeface="Candara"/>
-                <a:ea typeface="DejaVu Sans"/>
-              </a:rPr>
-              <a:t>*** CODE SAMPLE ***</a:t>
-            </a:r>
-            <a:endParaRPr b="0" lang="en-US" sz="2800" spc="-1" strike="noStrike">
-              <a:latin typeface="Arial"/>
-            </a:endParaRPr>
-          </a:p>
-        </p:txBody>
-      </p:sp>
-    </p:spTree>
-  </p:cSld>
-  <mc:AlternateContent>
-    <mc:Choice Requires="p14">
-      <p:transition spd="slow" p14:dur="2000"/>
-    </mc:Choice>
-    <mc:Fallback>
-      <p:transition spd="slow"/>
-    </mc:Fallback>
-  </mc:AlternateContent>
-</p:sld>
-</file>
-
 <file path=ppt/slides/slide7.xml><?xml version="1.0" encoding="utf-8"?>
 <p:sld xmlns:a="http://schemas.openxmlformats.org/drawingml/2006/main" xmlns:p="http://schemas.openxmlformats.org/presentationml/2006/main" xmlns:r="http://schemas.openxmlformats.org/officeDocument/2006/relationships" xmlns:p14="http://schemas.microsoft.com/office/powerpoint/2010/main" xmlns:p15="http://schemas.microsoft.com/office/powerpoint/2012/main" xmlns:mc="http://schemas.openxmlformats.org/markup-compatibility/2006">
   <p:cSld>
@@ -4746,14 +5111,14 @@
       </p:grpSpPr>
       <p:sp>
         <p:nvSpPr>
-          <p:cNvPr id="94" name="CustomShape 1"/>
+          <p:cNvPr id="98" name="CustomShape 1"/>
           <p:cNvSpPr/>
           <p:nvPr/>
         </p:nvSpPr>
         <p:spPr>
           <a:xfrm>
             <a:off x="692640" y="301680"/>
-            <a:ext cx="8692920" cy="1095120"/>
+            <a:ext cx="8692560" cy="1094760"/>
           </a:xfrm>
           <a:prstGeom prst="rect">
             <a:avLst/>
@@ -4787,7 +5152,7 @@
                 <a:latin typeface="Cambria"/>
                 <a:ea typeface="Cambria"/>
               </a:rPr>
-              <a:t>Main Challenges and Difficulties</a:t>
+              <a:t>GUI Key Features</a:t>
             </a:r>
             <a:endParaRPr b="0" lang="en-US" sz="4400" spc="-1" strike="noStrike">
               <a:latin typeface="Arial"/>
@@ -4797,14 +5162,14 @@
       </p:sp>
       <p:sp>
         <p:nvSpPr>
-          <p:cNvPr id="95" name="CustomShape 2"/>
+          <p:cNvPr id="99" name="CustomShape 2"/>
           <p:cNvSpPr/>
           <p:nvPr/>
         </p:nvSpPr>
         <p:spPr>
           <a:xfrm>
             <a:off x="692640" y="1509120"/>
-            <a:ext cx="8692920" cy="3596400"/>
+            <a:ext cx="8692560" cy="3596040"/>
           </a:xfrm>
           <a:prstGeom prst="rect">
             <a:avLst/>
@@ -4825,18 +5190,13 @@
             <a:noAutofit/>
           </a:bodyPr>
           <a:p>
-            <a:pPr marL="228600" indent="-227520">
+            <a:pPr>
               <a:lnSpc>
                 <a:spcPct val="90000"/>
               </a:lnSpc>
               <a:spcBef>
                 <a:spcPts val="1001"/>
               </a:spcBef>
-              <a:buClr>
-                <a:srgbClr val="000000"/>
-              </a:buClr>
-              <a:buFont typeface="Arial"/>
-              <a:buChar char="•"/>
             </a:pPr>
             <a:r>
               <a:rPr b="0" lang="en-US" sz="2800" spc="-1" strike="noStrike">
@@ -4846,7 +5206,7 @@
                 <a:latin typeface="Candara"/>
                 <a:ea typeface="DejaVu Sans"/>
               </a:rPr>
-              <a:t>Parsing the log file turned out to be a hassle. Finally we found a pip-installable library that…</a:t>
+              <a:t>*** IMAGE OF GUI ***</a:t>
             </a:r>
             <a:endParaRPr b="0" lang="en-US" sz="2800" spc="-1" strike="noStrike">
               <a:latin typeface="Arial"/>
@@ -4874,6 +5234,16 @@
                 <a:spcPts val="1001"/>
               </a:spcBef>
             </a:pPr>
+            <a:r>
+              <a:rPr b="0" lang="en-US" sz="2800" spc="-1" strike="noStrike">
+                <a:solidFill>
+                  <a:srgbClr val="000000"/>
+                </a:solidFill>
+                <a:latin typeface="Candara"/>
+                <a:ea typeface="DejaVu Sans"/>
+              </a:rPr>
+              <a:t>*** CODE SAMPLE ***</a:t>
+            </a:r>
             <a:endParaRPr b="0" lang="en-US" sz="2800" spc="-1" strike="noStrike">
               <a:latin typeface="Arial"/>
             </a:endParaRPr>
@@ -4912,14 +5282,14 @@
       </p:grpSpPr>
       <p:sp>
         <p:nvSpPr>
-          <p:cNvPr id="96" name="CustomShape 1"/>
+          <p:cNvPr id="100" name="CustomShape 1"/>
           <p:cNvSpPr/>
           <p:nvPr/>
         </p:nvSpPr>
         <p:spPr>
           <a:xfrm>
             <a:off x="692640" y="301680"/>
-            <a:ext cx="8692920" cy="1095120"/>
+            <a:ext cx="8692560" cy="1094760"/>
           </a:xfrm>
           <a:prstGeom prst="rect">
             <a:avLst/>
@@ -4963,14 +5333,14 @@
       </p:sp>
       <p:sp>
         <p:nvSpPr>
-          <p:cNvPr id="97" name="CustomShape 2"/>
+          <p:cNvPr id="101" name="CustomShape 2"/>
           <p:cNvSpPr/>
           <p:nvPr/>
         </p:nvSpPr>
         <p:spPr>
           <a:xfrm>
             <a:off x="692640" y="1509120"/>
-            <a:ext cx="8692920" cy="3596400"/>
+            <a:ext cx="8692560" cy="3596040"/>
           </a:xfrm>
           <a:prstGeom prst="rect">
             <a:avLst/>
@@ -4991,7 +5361,7 @@
             <a:noAutofit/>
           </a:bodyPr>
           <a:p>
-            <a:pPr marL="228600" indent="-227520">
+            <a:pPr marL="228600" indent="-227160">
               <a:lnSpc>
                 <a:spcPct val="90000"/>
               </a:lnSpc>
@@ -5078,14 +5448,14 @@
       </p:grpSpPr>
       <p:sp>
         <p:nvSpPr>
-          <p:cNvPr id="98" name="CustomShape 1"/>
+          <p:cNvPr id="102" name="CustomShape 1"/>
           <p:cNvSpPr/>
           <p:nvPr/>
         </p:nvSpPr>
         <p:spPr>
           <a:xfrm>
             <a:off x="692640" y="301680"/>
-            <a:ext cx="8692920" cy="1095120"/>
+            <a:ext cx="8692560" cy="1094760"/>
           </a:xfrm>
           <a:prstGeom prst="rect">
             <a:avLst/>
@@ -5119,7 +5489,7 @@
                 <a:latin typeface="Cambria"/>
                 <a:ea typeface="Cambria"/>
               </a:rPr>
-              <a:t>Concluding Remarks</a:t>
+              <a:t>Main Challenges and Difficulties</a:t>
             </a:r>
             <a:endParaRPr b="0" lang="en-US" sz="4400" spc="-1" strike="noStrike">
               <a:latin typeface="Arial"/>
@@ -5129,14 +5499,14 @@
       </p:sp>
       <p:sp>
         <p:nvSpPr>
-          <p:cNvPr id="99" name="CustomShape 2"/>
+          <p:cNvPr id="103" name="CustomShape 2"/>
           <p:cNvSpPr/>
           <p:nvPr/>
         </p:nvSpPr>
         <p:spPr>
           <a:xfrm>
             <a:off x="692640" y="1509120"/>
-            <a:ext cx="8692920" cy="3596400"/>
+            <a:ext cx="8692560" cy="3596040"/>
           </a:xfrm>
           <a:prstGeom prst="rect">
             <a:avLst/>
@@ -5157,7 +5527,7 @@
             <a:noAutofit/>
           </a:bodyPr>
           <a:p>
-            <a:pPr marL="228600" indent="-227520">
+            <a:pPr marL="228600" indent="-227160">
               <a:lnSpc>
                 <a:spcPct val="90000"/>
               </a:lnSpc>
@@ -5178,48 +5548,7 @@
                 <a:latin typeface="Candara"/>
                 <a:ea typeface="DejaVu Sans"/>
               </a:rPr>
-              <a:t>Is the project usable? </a:t>
-            </a:r>
-            <a:endParaRPr b="0" lang="en-US" sz="2800" spc="-1" strike="noStrike">
-              <a:latin typeface="Arial"/>
-            </a:endParaRPr>
-          </a:p>
-          <a:p>
-            <a:pPr>
-              <a:lnSpc>
-                <a:spcPct val="90000"/>
-              </a:lnSpc>
-              <a:spcBef>
-                <a:spcPts val="1001"/>
-              </a:spcBef>
-            </a:pPr>
-            <a:endParaRPr b="0" lang="en-US" sz="2800" spc="-1" strike="noStrike">
-              <a:latin typeface="Arial"/>
-            </a:endParaRPr>
-          </a:p>
-          <a:p>
-            <a:pPr marL="228600" indent="-227520">
-              <a:lnSpc>
-                <a:spcPct val="90000"/>
-              </a:lnSpc>
-              <a:spcBef>
-                <a:spcPts val="1001"/>
-              </a:spcBef>
-              <a:buClr>
-                <a:srgbClr val="000000"/>
-              </a:buClr>
-              <a:buFont typeface="Arial"/>
-              <a:buChar char="•"/>
-            </a:pPr>
-            <a:r>
-              <a:rPr b="0" lang="en-US" sz="2800" spc="-1" strike="noStrike">
-                <a:solidFill>
-                  <a:srgbClr val="000000"/>
-                </a:solidFill>
-                <a:latin typeface="Candara"/>
-                <a:ea typeface="DejaVu Sans"/>
-              </a:rPr>
-              <a:t>What’s left to do?</a:t>
+              <a:t>Parsing the log file turned out to be a hassle. Finally we found a pip-installable library that…</a:t>
             </a:r>
             <a:endParaRPr b="0" lang="en-US" sz="2800" spc="-1" strike="noStrike">
               <a:latin typeface="Arial"/>
